--- a/documentation/10 SOA Services.pptx
+++ b/documentation/10 SOA Services.pptx
@@ -221,7 +221,7 @@
           <a:p>
             <a:fld id="{CE53DE84-D7B3-4797-B14D-77424657396D}" type="datetimeFigureOut">
               <a:rPr lang="en-GB" smtClean="0"/>
-              <a:t>07/02/2018</a:t>
+              <a:t>05/03/2018</a:t>
             </a:fld>
             <a:endParaRPr lang="en-GB" dirty="0"/>
           </a:p>
@@ -386,7 +386,7 @@
           <a:p>
             <a:fld id="{D1C597EC-6BB0-461C-B045-D257C6C8821E}" type="datetimeFigureOut">
               <a:rPr lang="en-GB" smtClean="0"/>
-              <a:t>07/02/2018</a:t>
+              <a:t>05/03/2018</a:t>
             </a:fld>
             <a:endParaRPr lang="en-GB" dirty="0"/>
           </a:p>
@@ -1492,7 +1492,7 @@
           <a:p>
             <a:fld id="{22E7AA2F-F619-4723-B6E7-545F24B9918D}" type="datetime4">
               <a:rPr lang="en-GB" smtClean="0"/>
-              <a:t>07 February 2018</a:t>
+              <a:t>05 March 2018</a:t>
             </a:fld>
             <a:endParaRPr lang="en-GB" dirty="0"/>
           </a:p>
@@ -1696,7 +1696,7 @@
           <a:p>
             <a:fld id="{2A4201E0-34F3-46A7-AE44-D99163B13904}" type="datetime4">
               <a:rPr lang="en-GB" smtClean="0"/>
-              <a:t>07 February 2018</a:t>
+              <a:t>05 March 2018</a:t>
             </a:fld>
             <a:endParaRPr lang="en-GB" dirty="0"/>
           </a:p>
@@ -1944,7 +1944,7 @@
           <a:p>
             <a:fld id="{4FAE0867-24A8-448F-B507-CC8586AA6B96}" type="datetime4">
               <a:rPr lang="en-GB" smtClean="0"/>
-              <a:t>07 February 2018</a:t>
+              <a:t>05 March 2018</a:t>
             </a:fld>
             <a:endParaRPr lang="en-GB" dirty="0"/>
           </a:p>
@@ -2128,7 +2128,7 @@
           <a:p>
             <a:fld id="{54BE1DED-F17D-40BA-964F-A1C8DEDCEF61}" type="datetime4">
               <a:rPr lang="en-GB" smtClean="0"/>
-              <a:t>07 February 2018</a:t>
+              <a:t>05 March 2018</a:t>
             </a:fld>
             <a:endParaRPr lang="en-GB" dirty="0"/>
           </a:p>
@@ -2504,7 +2504,7 @@
             <a:fld id="{D9FBC6CA-9941-44FF-B65D-C7A23CB5A4BE}" type="datetime4">
               <a:rPr lang="en-GB" smtClean="0"/>
               <a:pPr/>
-              <a:t>07 February 2018</a:t>
+              <a:t>05 March 2018</a:t>
             </a:fld>
             <a:endParaRPr lang="en-GB" dirty="0"/>
           </a:p>
@@ -2690,7 +2690,7 @@
           <a:p>
             <a:fld id="{D473304B-F8FC-4BC7-8FE8-C50BC87E1FAB}" type="datetime4">
               <a:rPr lang="en-GB" smtClean="0"/>
-              <a:t>07 February 2018</a:t>
+              <a:t>05 March 2018</a:t>
             </a:fld>
             <a:endParaRPr lang="en-GB" dirty="0"/>
           </a:p>
@@ -2785,7 +2785,7 @@
           <a:p>
             <a:fld id="{D3D7C3DF-C1B2-4C30-9BDA-F5EE790E7213}" type="datetime4">
               <a:rPr lang="en-GB" smtClean="0"/>
-              <a:t>07 February 2018</a:t>
+              <a:t>05 March 2018</a:t>
             </a:fld>
             <a:endParaRPr lang="en-GB" dirty="0"/>
           </a:p>
@@ -3010,7 +3010,7 @@
           <a:p>
             <a:fld id="{7A1E630C-C3F3-4A66-A20B-F3CE4CC3331D}" type="datetime4">
               <a:rPr lang="en-GB" smtClean="0"/>
-              <a:t>07 February 2018</a:t>
+              <a:t>05 March 2018</a:t>
             </a:fld>
             <a:endParaRPr lang="en-GB" dirty="0"/>
           </a:p>
@@ -3644,7 +3644,7 @@
           <a:p>
             <a:fld id="{D22C19FE-D082-4640-BFED-203C0E583774}" type="datetime4">
               <a:rPr lang="en-GB" smtClean="0"/>
-              <a:t>07 February 2018</a:t>
+              <a:t>05 March 2018</a:t>
             </a:fld>
             <a:endParaRPr lang="en-GB" dirty="0"/>
           </a:p>
@@ -4403,7 +4403,7 @@
           <a:p>
             <a:fld id="{6096F0BA-ECEE-44D1-ABE9-40C67B221300}" type="datetime4">
               <a:rPr lang="en-GB" smtClean="0"/>
-              <a:t>07 February 2018</a:t>
+              <a:t>05 March 2018</a:t>
             </a:fld>
             <a:endParaRPr lang="en-GB" dirty="0"/>
           </a:p>
@@ -4550,11 +4550,6 @@
               </a:rPr>
               <a:t>”</a:t>
             </a:r>
-            <a:endParaRPr lang="en-GB" dirty="0" smtClean="0">
-              <a:solidFill>
-                <a:schemeClr val="accent1"/>
-              </a:solidFill>
-            </a:endParaRPr>
           </a:p>
           <a:p>
             <a:pPr lvl="1"/>
@@ -4588,7 +4583,7 @@
             <a:fld id="{014A5046-EA5E-455B-A3BC-352818629394}" type="datetime4">
               <a:rPr lang="en-GB" smtClean="0"/>
               <a:pPr/>
-              <a:t>07 February 2018</a:t>
+              <a:t>05 March 2018</a:t>
             </a:fld>
             <a:endParaRPr lang="en-GB" dirty="0"/>
           </a:p>
@@ -4708,7 +4703,7 @@
             <a:fld id="{BC3F1638-3586-4527-A760-38AC15BFC248}" type="datetime4">
               <a:rPr lang="en-GB" smtClean="0"/>
               <a:pPr/>
-              <a:t>07 February 2018</a:t>
+              <a:t>05 March 2018</a:t>
             </a:fld>
             <a:endParaRPr lang="en-GB" dirty="0"/>
           </a:p>
@@ -5553,7 +5548,7 @@
             <a:fld id="{BC3F1638-3586-4527-A760-38AC15BFC248}" type="datetime4">
               <a:rPr lang="en-GB" smtClean="0"/>
               <a:pPr/>
-              <a:t>07 February 2018</a:t>
+              <a:t>05 March 2018</a:t>
             </a:fld>
             <a:endParaRPr lang="en-GB" dirty="0"/>
           </a:p>
@@ -5845,7 +5840,7 @@
             <a:fld id="{BC3F1638-3586-4527-A760-38AC15BFC248}" type="datetime4">
               <a:rPr lang="en-GB" smtClean="0"/>
               <a:pPr/>
-              <a:t>07 February 2018</a:t>
+              <a:t>05 March 2018</a:t>
             </a:fld>
             <a:endParaRPr lang="en-GB" dirty="0"/>
           </a:p>
@@ -5875,239 +5870,36 @@
           </a:p>
         </p:txBody>
       </p:sp>
-      <p:sp>
-        <p:nvSpPr>
-          <p:cNvPr id="7" name="Rectangle 6"/>
-          <p:cNvSpPr/>
+      <p:pic>
+        <p:nvPicPr>
+          <p:cNvPr id="2" name="Picture 1"/>
+          <p:cNvPicPr>
+            <a:picLocks noChangeAspect="1"/>
+          </p:cNvPicPr>
           <p:nvPr/>
-        </p:nvSpPr>
+        </p:nvPicPr>
+        <p:blipFill>
+          <a:blip r:embed="rId3">
+            <a:extLst>
+              <a:ext uri="{28A0092B-C50C-407E-A947-70E740481C1C}">
+                <a14:useLocalDpi xmlns:a14="http://schemas.microsoft.com/office/drawing/2010/main" val="0"/>
+              </a:ext>
+            </a:extLst>
+          </a:blip>
+          <a:stretch>
+            <a:fillRect/>
+          </a:stretch>
+        </p:blipFill>
         <p:spPr>
           <a:xfrm>
-            <a:off x="623888" y="1123721"/>
-            <a:ext cx="9120187" cy="3874907"/>
+            <a:off x="381292" y="1170633"/>
+            <a:ext cx="11369156" cy="4875604"/>
           </a:xfrm>
           <a:prstGeom prst="rect">
             <a:avLst/>
           </a:prstGeom>
-          <a:ln w="15875" cap="sq" cmpd="sng">
-            <a:noFill/>
-            <a:bevel/>
-          </a:ln>
         </p:spPr>
-        <p:txBody>
-          <a:bodyPr wrap="square">
-            <a:spAutoFit/>
-          </a:bodyPr>
-          <a:lstStyle/>
-          <a:p>
-            <a:pPr marL="411163" indent="-411163">
-              <a:lnSpc>
-                <a:spcPct val="90000"/>
-              </a:lnSpc>
-              <a:spcBef>
-                <a:spcPts val="1500"/>
-              </a:spcBef>
-              <a:buSzPct val="150000"/>
-              <a:buBlip>
-                <a:blip r:embed="rId3"/>
-              </a:buBlip>
-            </a:pPr>
-            <a:r>
-              <a:rPr lang="en-US" b="1" dirty="0" smtClean="0">
-                <a:solidFill>
-                  <a:schemeClr val="accent2"/>
-                </a:solidFill>
-                <a:latin typeface="Courier" pitchFamily="49" charset="0"/>
-              </a:rPr>
-              <a:t>Apply Change Service</a:t>
-            </a:r>
-          </a:p>
-          <a:p>
-            <a:pPr marL="411163" indent="-411163">
-              <a:lnSpc>
-                <a:spcPct val="90000"/>
-              </a:lnSpc>
-              <a:spcBef>
-                <a:spcPts val="1500"/>
-              </a:spcBef>
-              <a:buSzPct val="150000"/>
-              <a:buBlip>
-                <a:blip r:embed="rId3"/>
-              </a:buBlip>
-            </a:pPr>
-            <a:r>
-              <a:rPr lang="en-US" b="1" dirty="0" smtClean="0">
-                <a:solidFill>
-                  <a:schemeClr val="accent2"/>
-                </a:solidFill>
-                <a:latin typeface="Courier" pitchFamily="49" charset="0"/>
-              </a:rPr>
-              <a:t>Load Profile Service</a:t>
-            </a:r>
-          </a:p>
-          <a:p>
-            <a:pPr marL="411163" indent="-411163">
-              <a:lnSpc>
-                <a:spcPct val="90000"/>
-              </a:lnSpc>
-              <a:spcBef>
-                <a:spcPts val="1500"/>
-              </a:spcBef>
-              <a:buSzPct val="150000"/>
-              <a:buBlip>
-                <a:blip r:embed="rId3"/>
-              </a:buBlip>
-            </a:pPr>
-            <a:r>
-              <a:rPr lang="en-US" b="1" dirty="0" smtClean="0">
-                <a:solidFill>
-                  <a:schemeClr val="accent2"/>
-                </a:solidFill>
-                <a:latin typeface="Courier" pitchFamily="49" charset="0"/>
-              </a:rPr>
-              <a:t>Message Load Service</a:t>
-            </a:r>
-          </a:p>
-          <a:p>
-            <a:pPr marL="411163" indent="-411163">
-              <a:lnSpc>
-                <a:spcPct val="90000"/>
-              </a:lnSpc>
-              <a:spcBef>
-                <a:spcPts val="1500"/>
-              </a:spcBef>
-              <a:buSzPct val="150000"/>
-              <a:buBlip>
-                <a:blip r:embed="rId3"/>
-              </a:buBlip>
-            </a:pPr>
-            <a:r>
-              <a:rPr lang="en-US" b="1" dirty="0" smtClean="0">
-                <a:solidFill>
-                  <a:schemeClr val="accent2"/>
-                </a:solidFill>
-                <a:latin typeface="Courier" pitchFamily="49" charset="0"/>
-              </a:rPr>
-              <a:t>Message Submit Service</a:t>
-            </a:r>
-          </a:p>
-          <a:p>
-            <a:pPr marL="411163" indent="-411163">
-              <a:lnSpc>
-                <a:spcPct val="90000"/>
-              </a:lnSpc>
-              <a:spcBef>
-                <a:spcPts val="1500"/>
-              </a:spcBef>
-              <a:buSzPct val="150000"/>
-              <a:buBlip>
-                <a:blip r:embed="rId3"/>
-              </a:buBlip>
-            </a:pPr>
-            <a:r>
-              <a:rPr lang="en-US" b="1" dirty="0" smtClean="0">
-                <a:solidFill>
-                  <a:schemeClr val="accent2"/>
-                </a:solidFill>
-                <a:latin typeface="Courier" pitchFamily="49" charset="0"/>
-              </a:rPr>
-              <a:t>Profile Action Service</a:t>
-            </a:r>
-          </a:p>
-          <a:p>
-            <a:pPr marL="411163" indent="-411163">
-              <a:lnSpc>
-                <a:spcPct val="90000"/>
-              </a:lnSpc>
-              <a:spcBef>
-                <a:spcPts val="1500"/>
-              </a:spcBef>
-              <a:buSzPct val="150000"/>
-              <a:buBlip>
-                <a:blip r:embed="rId3"/>
-              </a:buBlip>
-            </a:pPr>
-            <a:r>
-              <a:rPr lang="en-US" b="1" dirty="0" smtClean="0">
-                <a:solidFill>
-                  <a:schemeClr val="accent2"/>
-                </a:solidFill>
-                <a:latin typeface="Courier" pitchFamily="49" charset="0"/>
-              </a:rPr>
-              <a:t>Profile List Service</a:t>
-            </a:r>
-          </a:p>
-          <a:p>
-            <a:pPr marL="411163" indent="-411163">
-              <a:lnSpc>
-                <a:spcPct val="90000"/>
-              </a:lnSpc>
-              <a:spcBef>
-                <a:spcPts val="1500"/>
-              </a:spcBef>
-              <a:buSzPct val="150000"/>
-              <a:buBlip>
-                <a:blip r:embed="rId3"/>
-              </a:buBlip>
-            </a:pPr>
-            <a:r>
-              <a:rPr lang="en-US" b="1" dirty="0" smtClean="0">
-                <a:solidFill>
-                  <a:schemeClr val="accent2"/>
-                </a:solidFill>
-                <a:latin typeface="Courier" pitchFamily="49" charset="0"/>
-              </a:rPr>
-              <a:t>Queue List Service</a:t>
-            </a:r>
-          </a:p>
-          <a:p>
-            <a:pPr marL="411163" indent="-411163">
-              <a:lnSpc>
-                <a:spcPct val="90000"/>
-              </a:lnSpc>
-              <a:spcBef>
-                <a:spcPts val="1500"/>
-              </a:spcBef>
-              <a:buSzPct val="150000"/>
-              <a:buBlip>
-                <a:blip r:embed="rId3"/>
-              </a:buBlip>
-            </a:pPr>
-            <a:r>
-              <a:rPr lang="en-US" b="1" dirty="0" smtClean="0">
-                <a:solidFill>
-                  <a:schemeClr val="accent2"/>
-                </a:solidFill>
-                <a:latin typeface="Courier" pitchFamily="49" charset="0"/>
-              </a:rPr>
-              <a:t>STP Rules Service</a:t>
-            </a:r>
-          </a:p>
-          <a:p>
-            <a:pPr marL="411163" indent="-411163">
-              <a:lnSpc>
-                <a:spcPct val="90000"/>
-              </a:lnSpc>
-              <a:spcBef>
-                <a:spcPts val="1500"/>
-              </a:spcBef>
-              <a:buSzPct val="150000"/>
-              <a:buBlip>
-                <a:blip r:embed="rId3"/>
-              </a:buBlip>
-            </a:pPr>
-            <a:r>
-              <a:rPr lang="en-US" b="1" dirty="0" smtClean="0">
-                <a:solidFill>
-                  <a:schemeClr val="accent2"/>
-                </a:solidFill>
-                <a:latin typeface="Courier" pitchFamily="49" charset="0"/>
-              </a:rPr>
-              <a:t>Task Service</a:t>
-            </a:r>
-          </a:p>
-        </p:txBody>
-      </p:sp>
+      </p:pic>
     </p:spTree>
     <p:extLst>
       <p:ext uri="{BB962C8B-B14F-4D97-AF65-F5344CB8AC3E}">
@@ -6182,11 +5974,7 @@
             </a:r>
             <a:r>
               <a:rPr lang="en-US" dirty="0" smtClean="0"/>
-              <a:t>- </a:t>
-            </a:r>
-            <a:r>
-              <a:rPr lang="en-US" dirty="0" smtClean="0"/>
-              <a:t>example</a:t>
+              <a:t>- example</a:t>
             </a:r>
             <a:endParaRPr lang="en-GB" dirty="0"/>
           </a:p>
@@ -6210,7 +5998,7 @@
             <a:fld id="{BC3F1638-3586-4527-A760-38AC15BFC248}" type="datetime4">
               <a:rPr lang="en-GB" smtClean="0"/>
               <a:pPr/>
-              <a:t>07 February 2018</a:t>
+              <a:t>05 March 2018</a:t>
             </a:fld>
             <a:endParaRPr lang="en-GB" dirty="0"/>
           </a:p>
@@ -6669,7 +6457,6 @@
               <a:rPr lang="en-GB" dirty="0" smtClean="0"/>
               <a:t>Rajesh Badiye</a:t>
             </a:r>
-            <a:endParaRPr lang="en-GB" dirty="0" smtClean="0"/>
           </a:p>
           <a:p>
             <a:r>
@@ -6698,7 +6485,7 @@
             <a:fld id="{D98A2CEC-3088-437B-B321-33BEC7D93FCD}" type="datetime4">
               <a:rPr lang="en-GB" smtClean="0"/>
               <a:pPr/>
-              <a:t>07 February 2018</a:t>
+              <a:t>05 March 2018</a:t>
             </a:fld>
             <a:endParaRPr lang="en-GB" dirty="0"/>
           </a:p>
@@ -7593,12 +7380,12 @@
 </file>
 
 <file path=customXml/item1.xml><?xml version="1.0" encoding="utf-8"?>
-<p:properties xmlns:p="http://schemas.microsoft.com/office/2006/metadata/properties" xmlns:xsi="http://www.w3.org/2001/XMLSchema-instance" xmlns:pc="http://schemas.microsoft.com/office/infopath/2007/PartnerControls">
-  <documentManagement>
-    <PublishingExpirationDate xmlns="http://schemas.microsoft.com/sharepoint/v3" xsi:nil="true"/>
-    <PublishingStartDate xmlns="http://schemas.microsoft.com/sharepoint/v3" xsi:nil="true"/>
-  </documentManagement>
-</p:properties>
+<?mso-contentType ?>
+<FormTemplates xmlns="http://schemas.microsoft.com/sharepoint/v3/contenttype/forms">
+  <Display>DocumentLibraryForm</Display>
+  <Edit>DocumentLibraryForm</Edit>
+  <New>DocumentLibraryForm</New>
+</FormTemplates>
 </file>
 
 <file path=customXml/item2.xml><?xml version="1.0" encoding="utf-8"?>
@@ -7784,28 +7571,18 @@
 </file>
 
 <file path=customXml/item3.xml><?xml version="1.0" encoding="utf-8"?>
-<?mso-contentType ?>
-<FormTemplates xmlns="http://schemas.microsoft.com/sharepoint/v3/contenttype/forms">
-  <Display>DocumentLibraryForm</Display>
-  <Edit>DocumentLibraryForm</Edit>
-  <New>DocumentLibraryForm</New>
-</FormTemplates>
+<p:properties xmlns:p="http://schemas.microsoft.com/office/2006/metadata/properties" xmlns:xsi="http://www.w3.org/2001/XMLSchema-instance" xmlns:pc="http://schemas.microsoft.com/office/infopath/2007/PartnerControls">
+  <documentManagement>
+    <PublishingExpirationDate xmlns="http://schemas.microsoft.com/sharepoint/v3" xsi:nil="true"/>
+    <PublishingStartDate xmlns="http://schemas.microsoft.com/sharepoint/v3" xsi:nil="true"/>
+  </documentManagement>
+</p:properties>
 </file>
 
 <file path=customXml/itemProps1.xml><?xml version="1.0" encoding="utf-8"?>
-<ds:datastoreItem xmlns:ds="http://schemas.openxmlformats.org/officeDocument/2006/customXml" ds:itemID="{D7186F62-2954-471E-9368-38BF5704F41F}">
+<ds:datastoreItem xmlns:ds="http://schemas.openxmlformats.org/officeDocument/2006/customXml" ds:itemID="{CA1AEAF9-C730-4098-99F1-230B2FED747B}">
   <ds:schemaRefs>
-    <ds:schemaRef ds:uri="http://schemas.microsoft.com/sharepoint/v3"/>
-    <ds:schemaRef ds:uri="http://purl.org/dc/terms/"/>
-    <ds:schemaRef ds:uri="http://www.w3.org/XML/1998/namespace"/>
-    <ds:schemaRef ds:uri="1913475e-a030-45ec-9e8a-a2630205b38f"/>
-    <ds:schemaRef ds:uri="http://schemas.microsoft.com/office/2006/metadata/properties"/>
-    <ds:schemaRef ds:uri="http://schemas.microsoft.com/office/2006/documentManagement/types"/>
-    <ds:schemaRef ds:uri="0ae7057e-292f-4fd1-bead-5494e4c66c6d"/>
-    <ds:schemaRef ds:uri="http://schemas.openxmlformats.org/package/2006/metadata/core-properties"/>
-    <ds:schemaRef ds:uri="http://schemas.microsoft.com/office/infopath/2007/PartnerControls"/>
-    <ds:schemaRef ds:uri="http://purl.org/dc/dcmitype/"/>
-    <ds:schemaRef ds:uri="http://purl.org/dc/elements/1.1/"/>
+    <ds:schemaRef ds:uri="http://schemas.microsoft.com/sharepoint/v3/contenttype/forms"/>
   </ds:schemaRefs>
 </ds:datastoreItem>
 </file>
@@ -7831,9 +7608,19 @@
 </file>
 
 <file path=customXml/itemProps3.xml><?xml version="1.0" encoding="utf-8"?>
-<ds:datastoreItem xmlns:ds="http://schemas.openxmlformats.org/officeDocument/2006/customXml" ds:itemID="{CA1AEAF9-C730-4098-99F1-230B2FED747B}">
+<ds:datastoreItem xmlns:ds="http://schemas.openxmlformats.org/officeDocument/2006/customXml" ds:itemID="{D7186F62-2954-471E-9368-38BF5704F41F}">
   <ds:schemaRefs>
-    <ds:schemaRef ds:uri="http://schemas.microsoft.com/sharepoint/v3/contenttype/forms"/>
+    <ds:schemaRef ds:uri="http://schemas.microsoft.com/sharepoint/v3"/>
+    <ds:schemaRef ds:uri="http://purl.org/dc/terms/"/>
+    <ds:schemaRef ds:uri="http://www.w3.org/XML/1998/namespace"/>
+    <ds:schemaRef ds:uri="1913475e-a030-45ec-9e8a-a2630205b38f"/>
+    <ds:schemaRef ds:uri="http://schemas.microsoft.com/office/2006/metadata/properties"/>
+    <ds:schemaRef ds:uri="http://schemas.microsoft.com/office/2006/documentManagement/types"/>
+    <ds:schemaRef ds:uri="0ae7057e-292f-4fd1-bead-5494e4c66c6d"/>
+    <ds:schemaRef ds:uri="http://schemas.openxmlformats.org/package/2006/metadata/core-properties"/>
+    <ds:schemaRef ds:uri="http://schemas.microsoft.com/office/infopath/2007/PartnerControls"/>
+    <ds:schemaRef ds:uri="http://purl.org/dc/dcmitype/"/>
+    <ds:schemaRef ds:uri="http://purl.org/dc/elements/1.1/"/>
   </ds:schemaRefs>
 </ds:datastoreItem>
 </file>
--- a/documentation/10 SOA Services.pptx
+++ b/documentation/10 SOA Services.pptx
@@ -221,7 +221,7 @@
           <a:p>
             <a:fld id="{CE53DE84-D7B3-4797-B14D-77424657396D}" type="datetimeFigureOut">
               <a:rPr lang="en-GB" smtClean="0"/>
-              <a:t>05/03/2018</a:t>
+              <a:t>10/03/2018</a:t>
             </a:fld>
             <a:endParaRPr lang="en-GB" dirty="0"/>
           </a:p>
@@ -386,7 +386,7 @@
           <a:p>
             <a:fld id="{D1C597EC-6BB0-461C-B045-D257C6C8821E}" type="datetimeFigureOut">
               <a:rPr lang="en-GB" smtClean="0"/>
-              <a:t>05/03/2018</a:t>
+              <a:t>10/03/2018</a:t>
             </a:fld>
             <a:endParaRPr lang="en-GB" dirty="0"/>
           </a:p>
@@ -1492,7 +1492,7 @@
           <a:p>
             <a:fld id="{22E7AA2F-F619-4723-B6E7-545F24B9918D}" type="datetime4">
               <a:rPr lang="en-GB" smtClean="0"/>
-              <a:t>05 March 2018</a:t>
+              <a:t>10 March 2018</a:t>
             </a:fld>
             <a:endParaRPr lang="en-GB" dirty="0"/>
           </a:p>
@@ -1696,7 +1696,7 @@
           <a:p>
             <a:fld id="{2A4201E0-34F3-46A7-AE44-D99163B13904}" type="datetime4">
               <a:rPr lang="en-GB" smtClean="0"/>
-              <a:t>05 March 2018</a:t>
+              <a:t>10 March 2018</a:t>
             </a:fld>
             <a:endParaRPr lang="en-GB" dirty="0"/>
           </a:p>
@@ -1944,7 +1944,7 @@
           <a:p>
             <a:fld id="{4FAE0867-24A8-448F-B507-CC8586AA6B96}" type="datetime4">
               <a:rPr lang="en-GB" smtClean="0"/>
-              <a:t>05 March 2018</a:t>
+              <a:t>10 March 2018</a:t>
             </a:fld>
             <a:endParaRPr lang="en-GB" dirty="0"/>
           </a:p>
@@ -2128,7 +2128,7 @@
           <a:p>
             <a:fld id="{54BE1DED-F17D-40BA-964F-A1C8DEDCEF61}" type="datetime4">
               <a:rPr lang="en-GB" smtClean="0"/>
-              <a:t>05 March 2018</a:t>
+              <a:t>10 March 2018</a:t>
             </a:fld>
             <a:endParaRPr lang="en-GB" dirty="0"/>
           </a:p>
@@ -2504,7 +2504,7 @@
             <a:fld id="{D9FBC6CA-9941-44FF-B65D-C7A23CB5A4BE}" type="datetime4">
               <a:rPr lang="en-GB" smtClean="0"/>
               <a:pPr/>
-              <a:t>05 March 2018</a:t>
+              <a:t>10 March 2018</a:t>
             </a:fld>
             <a:endParaRPr lang="en-GB" dirty="0"/>
           </a:p>
@@ -2690,7 +2690,7 @@
           <a:p>
             <a:fld id="{D473304B-F8FC-4BC7-8FE8-C50BC87E1FAB}" type="datetime4">
               <a:rPr lang="en-GB" smtClean="0"/>
-              <a:t>05 March 2018</a:t>
+              <a:t>10 March 2018</a:t>
             </a:fld>
             <a:endParaRPr lang="en-GB" dirty="0"/>
           </a:p>
@@ -2785,7 +2785,7 @@
           <a:p>
             <a:fld id="{D3D7C3DF-C1B2-4C30-9BDA-F5EE790E7213}" type="datetime4">
               <a:rPr lang="en-GB" smtClean="0"/>
-              <a:t>05 March 2018</a:t>
+              <a:t>10 March 2018</a:t>
             </a:fld>
             <a:endParaRPr lang="en-GB" dirty="0"/>
           </a:p>
@@ -3010,7 +3010,7 @@
           <a:p>
             <a:fld id="{7A1E630C-C3F3-4A66-A20B-F3CE4CC3331D}" type="datetime4">
               <a:rPr lang="en-GB" smtClean="0"/>
-              <a:t>05 March 2018</a:t>
+              <a:t>10 March 2018</a:t>
             </a:fld>
             <a:endParaRPr lang="en-GB" dirty="0"/>
           </a:p>
@@ -3644,7 +3644,7 @@
           <a:p>
             <a:fld id="{D22C19FE-D082-4640-BFED-203C0E583774}" type="datetime4">
               <a:rPr lang="en-GB" smtClean="0"/>
-              <a:t>05 March 2018</a:t>
+              <a:t>10 March 2018</a:t>
             </a:fld>
             <a:endParaRPr lang="en-GB" dirty="0"/>
           </a:p>
@@ -4341,7 +4341,12 @@
             <p:ph idx="1"/>
           </p:nvPr>
         </p:nvSpPr>
-        <p:spPr/>
+        <p:spPr>
+          <a:xfrm>
+            <a:off x="623887" y="1793631"/>
+            <a:ext cx="9692421" cy="2293177"/>
+          </a:xfrm>
+        </p:spPr>
         <p:txBody>
           <a:bodyPr/>
           <a:lstStyle/>
@@ -4403,7 +4408,7 @@
           <a:p>
             <a:fld id="{6096F0BA-ECEE-44D1-ABE9-40C67B221300}" type="datetime4">
               <a:rPr lang="en-GB" smtClean="0"/>
-              <a:t>05 March 2018</a:t>
+              <a:t>10 March 2018</a:t>
             </a:fld>
             <a:endParaRPr lang="en-GB" dirty="0"/>
           </a:p>
@@ -4583,7 +4588,7 @@
             <a:fld id="{014A5046-EA5E-455B-A3BC-352818629394}" type="datetime4">
               <a:rPr lang="en-GB" smtClean="0"/>
               <a:pPr/>
-              <a:t>05 March 2018</a:t>
+              <a:t>10 March 2018</a:t>
             </a:fld>
             <a:endParaRPr lang="en-GB" dirty="0"/>
           </a:p>
@@ -4703,7 +4708,7 @@
             <a:fld id="{BC3F1638-3586-4527-A760-38AC15BFC248}" type="datetime4">
               <a:rPr lang="en-GB" smtClean="0"/>
               <a:pPr/>
-              <a:t>05 March 2018</a:t>
+              <a:t>10 March 2018</a:t>
             </a:fld>
             <a:endParaRPr lang="en-GB" dirty="0"/>
           </a:p>
@@ -4764,14 +4769,14 @@
           <a:p>
             <a:pPr algn="ctr"/>
             <a:r>
-              <a:rPr lang="en-US" sz="1200" dirty="0" smtClean="0">
+              <a:rPr lang="en-US" sz="4000" dirty="0" smtClean="0">
                 <a:solidFill>
                   <a:schemeClr val="bg1"/>
                 </a:solidFill>
               </a:rPr>
               <a:t>GPP</a:t>
             </a:r>
-            <a:endParaRPr lang="he-IL" sz="1200" dirty="0" err="1" smtClean="0">
+            <a:endParaRPr lang="he-IL" sz="4000" dirty="0" err="1" smtClean="0">
               <a:solidFill>
                 <a:schemeClr val="bg1"/>
               </a:solidFill>
@@ -4937,8 +4942,8 @@
         </p:nvSpPr>
         <p:spPr>
           <a:xfrm>
-            <a:off x="3884130" y="4899465"/>
-            <a:ext cx="2476870" cy="532660"/>
+            <a:off x="3715380" y="4899465"/>
+            <a:ext cx="3000952" cy="532660"/>
           </a:xfrm>
           <a:prstGeom prst="roundRect">
             <a:avLst/>
@@ -4999,7 +5004,7 @@
         </p:blipFill>
         <p:spPr bwMode="auto">
           <a:xfrm>
-            <a:off x="4963399" y="5503471"/>
+            <a:off x="4692705" y="5503470"/>
             <a:ext cx="1046301" cy="1046301"/>
           </a:xfrm>
           <a:prstGeom prst="rect">
@@ -5293,10 +5298,18 @@
           <a:p>
             <a:pPr algn="ctr"/>
             <a:r>
-              <a:rPr lang="en-US" dirty="0" smtClean="0"/>
+              <a:rPr lang="en-US" dirty="0" smtClean="0">
+                <a:solidFill>
+                  <a:schemeClr val="tx1"/>
+                </a:solidFill>
+              </a:rPr>
               <a:t>Action</a:t>
             </a:r>
-            <a:endParaRPr lang="en-US" dirty="0"/>
+            <a:endParaRPr lang="en-US" dirty="0">
+              <a:solidFill>
+                <a:schemeClr val="tx1"/>
+              </a:solidFill>
+            </a:endParaRPr>
           </a:p>
         </p:txBody>
       </p:sp>
@@ -5343,10 +5356,18 @@
           <a:p>
             <a:pPr algn="ctr"/>
             <a:r>
-              <a:rPr lang="en-US" dirty="0" smtClean="0"/>
+              <a:rPr lang="en-US" dirty="0" smtClean="0">
+                <a:solidFill>
+                  <a:schemeClr val="tx1"/>
+                </a:solidFill>
+              </a:rPr>
               <a:t>Data Load</a:t>
             </a:r>
-            <a:endParaRPr lang="en-US" dirty="0"/>
+            <a:endParaRPr lang="en-US" dirty="0">
+              <a:solidFill>
+                <a:schemeClr val="tx1"/>
+              </a:solidFill>
+            </a:endParaRPr>
           </a:p>
         </p:txBody>
       </p:sp>
@@ -5393,10 +5414,18 @@
           <a:p>
             <a:pPr algn="ctr"/>
             <a:r>
-              <a:rPr lang="en-US" dirty="0" smtClean="0"/>
+              <a:rPr lang="en-US" dirty="0" smtClean="0">
+                <a:solidFill>
+                  <a:schemeClr val="tx1"/>
+                </a:solidFill>
+              </a:rPr>
               <a:t>Task</a:t>
             </a:r>
-            <a:endParaRPr lang="en-US" dirty="0"/>
+            <a:endParaRPr lang="en-US" dirty="0">
+              <a:solidFill>
+                <a:schemeClr val="tx1"/>
+              </a:solidFill>
+            </a:endParaRPr>
           </a:p>
         </p:txBody>
       </p:sp>
@@ -5443,10 +5472,18 @@
           <a:p>
             <a:pPr algn="ctr"/>
             <a:r>
-              <a:rPr lang="en-US" dirty="0" smtClean="0"/>
+              <a:rPr lang="en-US" dirty="0" smtClean="0">
+                <a:solidFill>
+                  <a:schemeClr val="tx1"/>
+                </a:solidFill>
+              </a:rPr>
               <a:t>List</a:t>
             </a:r>
-            <a:endParaRPr lang="en-US" dirty="0"/>
+            <a:endParaRPr lang="en-US" dirty="0">
+              <a:solidFill>
+                <a:schemeClr val="tx1"/>
+              </a:solidFill>
+            </a:endParaRPr>
           </a:p>
         </p:txBody>
       </p:sp>
@@ -5548,7 +5585,7 @@
             <a:fld id="{BC3F1638-3586-4527-A760-38AC15BFC248}" type="datetime4">
               <a:rPr lang="en-GB" smtClean="0"/>
               <a:pPr/>
-              <a:t>05 March 2018</a:t>
+              <a:t>10 March 2018</a:t>
             </a:fld>
             <a:endParaRPr lang="en-GB" dirty="0"/>
           </a:p>
@@ -5586,7 +5623,7 @@
         </p:nvSpPr>
         <p:spPr>
           <a:xfrm>
-            <a:off x="623888" y="1123721"/>
+            <a:off x="623888" y="1403639"/>
             <a:ext cx="9120187" cy="2549929"/>
           </a:xfrm>
           <a:prstGeom prst="rect">
@@ -5616,11 +5653,10 @@
               </a:buBlip>
             </a:pPr>
             <a:r>
-              <a:rPr lang="en-US" b="1" dirty="0" smtClean="0">
+              <a:rPr lang="en-US" dirty="0" smtClean="0">
                 <a:solidFill>
                   <a:schemeClr val="accent2"/>
                 </a:solidFill>
-                <a:latin typeface="Courier" pitchFamily="49" charset="0"/>
               </a:rPr>
               <a:t>Protocol – SOAP over HTTP</a:t>
             </a:r>
@@ -5639,11 +5675,10 @@
               </a:buBlip>
             </a:pPr>
             <a:r>
-              <a:rPr lang="en-US" b="1" dirty="0" smtClean="0">
+              <a:rPr lang="en-US" dirty="0" smtClean="0">
                 <a:solidFill>
                   <a:schemeClr val="accent2"/>
                 </a:solidFill>
-                <a:latin typeface="Courier" pitchFamily="49" charset="0"/>
               </a:rPr>
               <a:t>Format – XML</a:t>
             </a:r>
@@ -5662,11 +5697,10 @@
               </a:buBlip>
             </a:pPr>
             <a:r>
-              <a:rPr lang="en-US" b="1" dirty="0" smtClean="0">
+              <a:rPr lang="en-US" dirty="0" smtClean="0">
                 <a:solidFill>
                   <a:schemeClr val="accent2"/>
                 </a:solidFill>
-                <a:latin typeface="Courier" pitchFamily="49" charset="0"/>
               </a:rPr>
               <a:t>Transactional</a:t>
             </a:r>
@@ -5685,11 +5719,10 @@
               </a:buBlip>
             </a:pPr>
             <a:r>
-              <a:rPr lang="en-US" b="1" dirty="0" smtClean="0">
+              <a:rPr lang="en-US" dirty="0" smtClean="0">
                 <a:solidFill>
                   <a:schemeClr val="accent2"/>
                 </a:solidFill>
-                <a:latin typeface="Courier" pitchFamily="49" charset="0"/>
               </a:rPr>
               <a:t>Authorization Based</a:t>
             </a:r>
@@ -5708,11 +5741,10 @@
               </a:buBlip>
             </a:pPr>
             <a:r>
-              <a:rPr lang="en-US" b="1" dirty="0" smtClean="0">
+              <a:rPr lang="en-US" dirty="0" smtClean="0">
                 <a:solidFill>
                   <a:schemeClr val="accent2"/>
                 </a:solidFill>
-                <a:latin typeface="Courier" pitchFamily="49" charset="0"/>
               </a:rPr>
               <a:t>Specifications provided in WSDL format</a:t>
             </a:r>
@@ -5731,11 +5763,10 @@
               </a:buBlip>
             </a:pPr>
             <a:r>
-              <a:rPr lang="en-US" b="1" dirty="0" smtClean="0">
+              <a:rPr lang="en-US" dirty="0" smtClean="0">
                 <a:solidFill>
                   <a:schemeClr val="accent2"/>
                 </a:solidFill>
-                <a:latin typeface="Courier" pitchFamily="49" charset="0"/>
               </a:rPr>
               <a:t>Can be consumed by any client application</a:t>
             </a:r>
@@ -5840,7 +5871,7 @@
             <a:fld id="{BC3F1638-3586-4527-A760-38AC15BFC248}" type="datetime4">
               <a:rPr lang="en-GB" smtClean="0"/>
               <a:pPr/>
-              <a:t>05 March 2018</a:t>
+              <a:t>10 March 2018</a:t>
             </a:fld>
             <a:endParaRPr lang="en-GB" dirty="0"/>
           </a:p>
@@ -5998,7 +6029,7 @@
             <a:fld id="{BC3F1638-3586-4527-A760-38AC15BFC248}" type="datetime4">
               <a:rPr lang="en-GB" smtClean="0"/>
               <a:pPr/>
-              <a:t>05 March 2018</a:t>
+              <a:t>10 March 2018</a:t>
             </a:fld>
             <a:endParaRPr lang="en-GB" dirty="0"/>
           </a:p>
@@ -6074,16 +6105,14 @@
         </p:blipFill>
         <p:spPr>
           <a:xfrm>
-            <a:off x="851554" y="1113665"/>
+            <a:off x="623888" y="1287262"/>
             <a:ext cx="5975567" cy="4464699"/>
           </a:xfrm>
           <a:prstGeom prst="rect">
             <a:avLst/>
           </a:prstGeom>
           <a:ln w="3175">
-            <a:solidFill>
-              <a:schemeClr val="tx1"/>
-            </a:solidFill>
+            <a:noFill/>
           </a:ln>
         </p:spPr>
       </p:pic>
@@ -6095,7 +6124,7 @@
         </p:nvSpPr>
         <p:spPr>
           <a:xfrm>
-            <a:off x="7839438" y="1287262"/>
+            <a:off x="7839438" y="1222996"/>
             <a:ext cx="2476870" cy="532660"/>
           </a:xfrm>
           <a:prstGeom prst="roundRect">
@@ -6153,7 +6182,7 @@
         </p:nvSpPr>
         <p:spPr>
           <a:xfrm>
-            <a:off x="7741784" y="2362613"/>
+            <a:off x="7839438" y="1965570"/>
             <a:ext cx="2476870" cy="532660"/>
           </a:xfrm>
           <a:prstGeom prst="roundRect">
@@ -6211,7 +6240,7 @@
         </p:nvSpPr>
         <p:spPr>
           <a:xfrm>
-            <a:off x="7741784" y="4395258"/>
+            <a:off x="7839438" y="3354313"/>
             <a:ext cx="2476870" cy="532660"/>
           </a:xfrm>
           <a:prstGeom prst="roundRect">
@@ -6271,14 +6300,15 @@
         </p:nvCxnSpPr>
         <p:spPr>
           <a:xfrm flipH="1" flipV="1">
-            <a:off x="3630967" y="1287262"/>
-            <a:ext cx="4208471" cy="266330"/>
+            <a:off x="3451123" y="1483756"/>
+            <a:ext cx="4388315" cy="5570"/>
           </a:xfrm>
           <a:prstGeom prst="straightConnector1">
             <a:avLst/>
           </a:prstGeom>
-          <a:ln>
-            <a:tailEnd type="triangle"/>
+          <a:ln w="25400">
+            <a:prstDash val="sysDot"/>
+            <a:tailEnd type="triangle" w="lg" len="lg"/>
           </a:ln>
         </p:spPr>
         <p:style>
@@ -6306,14 +6336,15 @@
         </p:nvCxnSpPr>
         <p:spPr>
           <a:xfrm flipH="1">
-            <a:off x="6034269" y="2628943"/>
+            <a:off x="6131923" y="2231900"/>
             <a:ext cx="1707515" cy="0"/>
           </a:xfrm>
           <a:prstGeom prst="straightConnector1">
             <a:avLst/>
           </a:prstGeom>
-          <a:ln>
-            <a:tailEnd type="triangle"/>
+          <a:ln w="25400">
+            <a:prstDash val="sysDot"/>
+            <a:tailEnd type="triangle" w="lg" len="lg"/>
           </a:ln>
         </p:spPr>
         <p:style>
@@ -6340,15 +6371,16 @@
           <p:nvPr/>
         </p:nvCxnSpPr>
         <p:spPr>
-          <a:xfrm flipH="1" flipV="1">
-            <a:off x="5362113" y="4395258"/>
-            <a:ext cx="2379671" cy="266330"/>
+          <a:xfrm flipH="1">
+            <a:off x="5343817" y="3620643"/>
+            <a:ext cx="2495621" cy="0"/>
           </a:xfrm>
           <a:prstGeom prst="straightConnector1">
             <a:avLst/>
           </a:prstGeom>
-          <a:ln>
-            <a:tailEnd type="triangle"/>
+          <a:ln w="25400">
+            <a:prstDash val="sysDot"/>
+            <a:tailEnd type="triangle" w="lg" len="lg"/>
           </a:ln>
         </p:spPr>
         <p:style>
@@ -6485,7 +6517,7 @@
             <a:fld id="{D98A2CEC-3088-437B-B321-33BEC7D93FCD}" type="datetime4">
               <a:rPr lang="en-GB" smtClean="0"/>
               <a:pPr/>
-              <a:t>05 March 2018</a:t>
+              <a:t>10 March 2018</a:t>
             </a:fld>
             <a:endParaRPr lang="en-GB" dirty="0"/>
           </a:p>
@@ -7380,12 +7412,12 @@
 </file>
 
 <file path=customXml/item1.xml><?xml version="1.0" encoding="utf-8"?>
-<?mso-contentType ?>
-<FormTemplates xmlns="http://schemas.microsoft.com/sharepoint/v3/contenttype/forms">
-  <Display>DocumentLibraryForm</Display>
-  <Edit>DocumentLibraryForm</Edit>
-  <New>DocumentLibraryForm</New>
-</FormTemplates>
+<p:properties xmlns:p="http://schemas.microsoft.com/office/2006/metadata/properties" xmlns:xsi="http://www.w3.org/2001/XMLSchema-instance" xmlns:pc="http://schemas.microsoft.com/office/infopath/2007/PartnerControls">
+  <documentManagement>
+    <PublishingExpirationDate xmlns="http://schemas.microsoft.com/sharepoint/v3" xsi:nil="true"/>
+    <PublishingStartDate xmlns="http://schemas.microsoft.com/sharepoint/v3" xsi:nil="true"/>
+  </documentManagement>
+</p:properties>
 </file>
 
 <file path=customXml/item2.xml><?xml version="1.0" encoding="utf-8"?>
@@ -7571,18 +7603,28 @@
 </file>
 
 <file path=customXml/item3.xml><?xml version="1.0" encoding="utf-8"?>
-<p:properties xmlns:p="http://schemas.microsoft.com/office/2006/metadata/properties" xmlns:xsi="http://www.w3.org/2001/XMLSchema-instance" xmlns:pc="http://schemas.microsoft.com/office/infopath/2007/PartnerControls">
-  <documentManagement>
-    <PublishingExpirationDate xmlns="http://schemas.microsoft.com/sharepoint/v3" xsi:nil="true"/>
-    <PublishingStartDate xmlns="http://schemas.microsoft.com/sharepoint/v3" xsi:nil="true"/>
-  </documentManagement>
-</p:properties>
+<?mso-contentType ?>
+<FormTemplates xmlns="http://schemas.microsoft.com/sharepoint/v3/contenttype/forms">
+  <Display>DocumentLibraryForm</Display>
+  <Edit>DocumentLibraryForm</Edit>
+  <New>DocumentLibraryForm</New>
+</FormTemplates>
 </file>
 
 <file path=customXml/itemProps1.xml><?xml version="1.0" encoding="utf-8"?>
-<ds:datastoreItem xmlns:ds="http://schemas.openxmlformats.org/officeDocument/2006/customXml" ds:itemID="{CA1AEAF9-C730-4098-99F1-230B2FED747B}">
+<ds:datastoreItem xmlns:ds="http://schemas.openxmlformats.org/officeDocument/2006/customXml" ds:itemID="{D7186F62-2954-471E-9368-38BF5704F41F}">
   <ds:schemaRefs>
-    <ds:schemaRef ds:uri="http://schemas.microsoft.com/sharepoint/v3/contenttype/forms"/>
+    <ds:schemaRef ds:uri="http://schemas.microsoft.com/sharepoint/v3"/>
+    <ds:schemaRef ds:uri="http://purl.org/dc/terms/"/>
+    <ds:schemaRef ds:uri="http://www.w3.org/XML/1998/namespace"/>
+    <ds:schemaRef ds:uri="1913475e-a030-45ec-9e8a-a2630205b38f"/>
+    <ds:schemaRef ds:uri="http://schemas.microsoft.com/office/2006/metadata/properties"/>
+    <ds:schemaRef ds:uri="http://schemas.microsoft.com/office/2006/documentManagement/types"/>
+    <ds:schemaRef ds:uri="0ae7057e-292f-4fd1-bead-5494e4c66c6d"/>
+    <ds:schemaRef ds:uri="http://schemas.openxmlformats.org/package/2006/metadata/core-properties"/>
+    <ds:schemaRef ds:uri="http://schemas.microsoft.com/office/infopath/2007/PartnerControls"/>
+    <ds:schemaRef ds:uri="http://purl.org/dc/dcmitype/"/>
+    <ds:schemaRef ds:uri="http://purl.org/dc/elements/1.1/"/>
   </ds:schemaRefs>
 </ds:datastoreItem>
 </file>
@@ -7608,19 +7650,9 @@
 </file>
 
 <file path=customXml/itemProps3.xml><?xml version="1.0" encoding="utf-8"?>
-<ds:datastoreItem xmlns:ds="http://schemas.openxmlformats.org/officeDocument/2006/customXml" ds:itemID="{D7186F62-2954-471E-9368-38BF5704F41F}">
+<ds:datastoreItem xmlns:ds="http://schemas.openxmlformats.org/officeDocument/2006/customXml" ds:itemID="{CA1AEAF9-C730-4098-99F1-230B2FED747B}">
   <ds:schemaRefs>
-    <ds:schemaRef ds:uri="http://schemas.microsoft.com/sharepoint/v3"/>
-    <ds:schemaRef ds:uri="http://purl.org/dc/terms/"/>
-    <ds:schemaRef ds:uri="http://www.w3.org/XML/1998/namespace"/>
-    <ds:schemaRef ds:uri="1913475e-a030-45ec-9e8a-a2630205b38f"/>
-    <ds:schemaRef ds:uri="http://schemas.microsoft.com/office/2006/metadata/properties"/>
-    <ds:schemaRef ds:uri="http://schemas.microsoft.com/office/2006/documentManagement/types"/>
-    <ds:schemaRef ds:uri="0ae7057e-292f-4fd1-bead-5494e4c66c6d"/>
-    <ds:schemaRef ds:uri="http://schemas.openxmlformats.org/package/2006/metadata/core-properties"/>
-    <ds:schemaRef ds:uri="http://schemas.microsoft.com/office/infopath/2007/PartnerControls"/>
-    <ds:schemaRef ds:uri="http://purl.org/dc/dcmitype/"/>
-    <ds:schemaRef ds:uri="http://purl.org/dc/elements/1.1/"/>
+    <ds:schemaRef ds:uri="http://schemas.microsoft.com/sharepoint/v3/contenttype/forms"/>
   </ds:schemaRefs>
 </ds:datastoreItem>
 </file>
--- a/documentation/10 SOA Services.pptx
+++ b/documentation/10 SOA Services.pptx
@@ -221,7 +221,7 @@
           <a:p>
             <a:fld id="{CE53DE84-D7B3-4797-B14D-77424657396D}" type="datetimeFigureOut">
               <a:rPr lang="en-GB" smtClean="0"/>
-              <a:t>10/03/2018</a:t>
+              <a:t>25/03/2019</a:t>
             </a:fld>
             <a:endParaRPr lang="en-GB" dirty="0"/>
           </a:p>
@@ -386,7 +386,7 @@
           <a:p>
             <a:fld id="{D1C597EC-6BB0-461C-B045-D257C6C8821E}" type="datetimeFigureOut">
               <a:rPr lang="en-GB" smtClean="0"/>
-              <a:t>10/03/2018</a:t>
+              <a:t>25/03/2019</a:t>
             </a:fld>
             <a:endParaRPr lang="en-GB" dirty="0"/>
           </a:p>
@@ -1492,7 +1492,7 @@
           <a:p>
             <a:fld id="{22E7AA2F-F619-4723-B6E7-545F24B9918D}" type="datetime4">
               <a:rPr lang="en-GB" smtClean="0"/>
-              <a:t>10 March 2018</a:t>
+              <a:t>25 March 2019</a:t>
             </a:fld>
             <a:endParaRPr lang="en-GB" dirty="0"/>
           </a:p>
@@ -1696,7 +1696,7 @@
           <a:p>
             <a:fld id="{2A4201E0-34F3-46A7-AE44-D99163B13904}" type="datetime4">
               <a:rPr lang="en-GB" smtClean="0"/>
-              <a:t>10 March 2018</a:t>
+              <a:t>25 March 2019</a:t>
             </a:fld>
             <a:endParaRPr lang="en-GB" dirty="0"/>
           </a:p>
@@ -1944,7 +1944,7 @@
           <a:p>
             <a:fld id="{4FAE0867-24A8-448F-B507-CC8586AA6B96}" type="datetime4">
               <a:rPr lang="en-GB" smtClean="0"/>
-              <a:t>10 March 2018</a:t>
+              <a:t>25 March 2019</a:t>
             </a:fld>
             <a:endParaRPr lang="en-GB" dirty="0"/>
           </a:p>
@@ -2128,7 +2128,7 @@
           <a:p>
             <a:fld id="{54BE1DED-F17D-40BA-964F-A1C8DEDCEF61}" type="datetime4">
               <a:rPr lang="en-GB" smtClean="0"/>
-              <a:t>10 March 2018</a:t>
+              <a:t>25 March 2019</a:t>
             </a:fld>
             <a:endParaRPr lang="en-GB" dirty="0"/>
           </a:p>
@@ -2504,7 +2504,7 @@
             <a:fld id="{D9FBC6CA-9941-44FF-B65D-C7A23CB5A4BE}" type="datetime4">
               <a:rPr lang="en-GB" smtClean="0"/>
               <a:pPr/>
-              <a:t>10 March 2018</a:t>
+              <a:t>25 March 2019</a:t>
             </a:fld>
             <a:endParaRPr lang="en-GB" dirty="0"/>
           </a:p>
@@ -2690,7 +2690,7 @@
           <a:p>
             <a:fld id="{D473304B-F8FC-4BC7-8FE8-C50BC87E1FAB}" type="datetime4">
               <a:rPr lang="en-GB" smtClean="0"/>
-              <a:t>10 March 2018</a:t>
+              <a:t>25 March 2019</a:t>
             </a:fld>
             <a:endParaRPr lang="en-GB" dirty="0"/>
           </a:p>
@@ -2785,7 +2785,7 @@
           <a:p>
             <a:fld id="{D3D7C3DF-C1B2-4C30-9BDA-F5EE790E7213}" type="datetime4">
               <a:rPr lang="en-GB" smtClean="0"/>
-              <a:t>10 March 2018</a:t>
+              <a:t>25 March 2019</a:t>
             </a:fld>
             <a:endParaRPr lang="en-GB" dirty="0"/>
           </a:p>
@@ -3010,7 +3010,7 @@
           <a:p>
             <a:fld id="{7A1E630C-C3F3-4A66-A20B-F3CE4CC3331D}" type="datetime4">
               <a:rPr lang="en-GB" smtClean="0"/>
-              <a:t>10 March 2018</a:t>
+              <a:t>25 March 2019</a:t>
             </a:fld>
             <a:endParaRPr lang="en-GB" dirty="0"/>
           </a:p>
@@ -3644,7 +3644,7 @@
           <a:p>
             <a:fld id="{D22C19FE-D082-4640-BFED-203C0E583774}" type="datetime4">
               <a:rPr lang="en-GB" smtClean="0"/>
-              <a:t>10 March 2018</a:t>
+              <a:t>25 March 2019</a:t>
             </a:fld>
             <a:endParaRPr lang="en-GB" dirty="0"/>
           </a:p>
@@ -4253,9 +4253,8 @@
             <a:pPr lvl="1"/>
             <a:r>
               <a:rPr lang="en-GB" dirty="0" smtClean="0"/>
-              <a:t>July 2017</a:t>
-            </a:r>
-            <a:endParaRPr lang="en-GB" dirty="0"/>
+              <a:t>2019</a:t>
+            </a:r>
           </a:p>
         </p:txBody>
       </p:sp>
@@ -4408,7 +4407,7 @@
           <a:p>
             <a:fld id="{6096F0BA-ECEE-44D1-ABE9-40C67B221300}" type="datetime4">
               <a:rPr lang="en-GB" smtClean="0"/>
-              <a:t>10 March 2018</a:t>
+              <a:t>25 March 2019</a:t>
             </a:fld>
             <a:endParaRPr lang="en-GB" dirty="0"/>
           </a:p>
@@ -4528,7 +4527,7 @@
         <p:spPr>
           <a:xfrm>
             <a:off x="1412631" y="1737809"/>
-            <a:ext cx="8198568" cy="4085942"/>
+            <a:ext cx="9577924" cy="4085942"/>
           </a:xfrm>
         </p:spPr>
         <p:txBody>
@@ -4541,10 +4540,14 @@
             </a:r>
             <a:r>
               <a:rPr lang="en-US" b="0" dirty="0"/>
-              <a:t> Each service is an unassociated, self-supporting functionality. A business flow of messages is a cluster of services set in a predefined order which provide GPP's range of </a:t>
-            </a:r>
-            <a:r>
-              <a:rPr lang="en-US" b="0" dirty="0" smtClean="0"/>
+              <a:t> </a:t>
+            </a:r>
+            <a:r>
+              <a:rPr lang="en-US" dirty="0"/>
+              <a:t>Each service is an unassociated, self-supporting functionality. A business flow of messages is a cluster of services set in a predefined order which provide GPP's range of </a:t>
+            </a:r>
+            <a:r>
+              <a:rPr lang="en-US" dirty="0"/>
               <a:t>functionality</a:t>
             </a:r>
             <a:r>
@@ -4588,7 +4591,7 @@
             <a:fld id="{014A5046-EA5E-455B-A3BC-352818629394}" type="datetime4">
               <a:rPr lang="en-GB" smtClean="0"/>
               <a:pPr/>
-              <a:t>10 March 2018</a:t>
+              <a:t>25 March 2019</a:t>
             </a:fld>
             <a:endParaRPr lang="en-GB" dirty="0"/>
           </a:p>
@@ -4708,7 +4711,7 @@
             <a:fld id="{BC3F1638-3586-4527-A760-38AC15BFC248}" type="datetime4">
               <a:rPr lang="en-GB" smtClean="0"/>
               <a:pPr/>
-              <a:t>10 March 2018</a:t>
+              <a:t>25 March 2019</a:t>
             </a:fld>
             <a:endParaRPr lang="en-GB" dirty="0"/>
           </a:p>
@@ -5585,7 +5588,7 @@
             <a:fld id="{BC3F1638-3586-4527-A760-38AC15BFC248}" type="datetime4">
               <a:rPr lang="en-GB" smtClean="0"/>
               <a:pPr/>
-              <a:t>10 March 2018</a:t>
+              <a:t>25 March 2019</a:t>
             </a:fld>
             <a:endParaRPr lang="en-GB" dirty="0"/>
           </a:p>
@@ -5871,7 +5874,7 @@
             <a:fld id="{BC3F1638-3586-4527-A760-38AC15BFC248}" type="datetime4">
               <a:rPr lang="en-GB" smtClean="0"/>
               <a:pPr/>
-              <a:t>10 March 2018</a:t>
+              <a:t>25 March 2019</a:t>
             </a:fld>
             <a:endParaRPr lang="en-GB" dirty="0"/>
           </a:p>
@@ -6029,7 +6032,7 @@
             <a:fld id="{BC3F1638-3586-4527-A760-38AC15BFC248}" type="datetime4">
               <a:rPr lang="en-GB" smtClean="0"/>
               <a:pPr/>
-              <a:t>10 March 2018</a:t>
+              <a:t>25 March 2019</a:t>
             </a:fld>
             <a:endParaRPr lang="en-GB" dirty="0"/>
           </a:p>
@@ -6486,14 +6489,12 @@
           <a:lstStyle/>
           <a:p>
             <a:r>
-              <a:rPr lang="en-GB" dirty="0" smtClean="0"/>
-              <a:t>Rajesh Badiye</a:t>
-            </a:r>
-          </a:p>
-          <a:p>
-            <a:r>
               <a:rPr lang="en-GB" b="0" dirty="0" smtClean="0"/>
-              <a:t>Integration Team</a:t>
+              <a:t>Integration </a:t>
+            </a:r>
+            <a:r>
+              <a:rPr lang="en-GB" b="0" dirty="0" smtClean="0"/>
+              <a:t>Team</a:t>
             </a:r>
             <a:endParaRPr lang="en-GB" b="0" dirty="0"/>
           </a:p>
@@ -6517,7 +6518,7 @@
             <a:fld id="{D98A2CEC-3088-437B-B321-33BEC7D93FCD}" type="datetime4">
               <a:rPr lang="en-GB" smtClean="0"/>
               <a:pPr/>
-              <a:t>10 March 2018</a:t>
+              <a:t>25 March 2019</a:t>
             </a:fld>
             <a:endParaRPr lang="en-GB" dirty="0"/>
           </a:p>
@@ -6539,8 +6540,8 @@
           <a:lstStyle/>
           <a:p>
             <a:r>
-              <a:rPr lang="en-GB" smtClean="0"/>
-              <a:t>Rajesh.badiye@finastra.com</a:t>
+              <a:rPr lang="en-GB" dirty="0" smtClean="0"/>
+              <a:t>Alexander.perman@finastra.com</a:t>
             </a:r>
             <a:endParaRPr lang="en-GB" dirty="0" smtClean="0"/>
           </a:p>
@@ -7412,12 +7413,12 @@
 </file>
 
 <file path=customXml/item1.xml><?xml version="1.0" encoding="utf-8"?>
-<p:properties xmlns:p="http://schemas.microsoft.com/office/2006/metadata/properties" xmlns:xsi="http://www.w3.org/2001/XMLSchema-instance" xmlns:pc="http://schemas.microsoft.com/office/infopath/2007/PartnerControls">
-  <documentManagement>
-    <PublishingExpirationDate xmlns="http://schemas.microsoft.com/sharepoint/v3" xsi:nil="true"/>
-    <PublishingStartDate xmlns="http://schemas.microsoft.com/sharepoint/v3" xsi:nil="true"/>
-  </documentManagement>
-</p:properties>
+<?mso-contentType ?>
+<FormTemplates xmlns="http://schemas.microsoft.com/sharepoint/v3/contenttype/forms">
+  <Display>DocumentLibraryForm</Display>
+  <Edit>DocumentLibraryForm</Edit>
+  <New>DocumentLibraryForm</New>
+</FormTemplates>
 </file>
 
 <file path=customXml/item2.xml><?xml version="1.0" encoding="utf-8"?>
@@ -7603,28 +7604,18 @@
 </file>
 
 <file path=customXml/item3.xml><?xml version="1.0" encoding="utf-8"?>
-<?mso-contentType ?>
-<FormTemplates xmlns="http://schemas.microsoft.com/sharepoint/v3/contenttype/forms">
-  <Display>DocumentLibraryForm</Display>
-  <Edit>DocumentLibraryForm</Edit>
-  <New>DocumentLibraryForm</New>
-</FormTemplates>
+<p:properties xmlns:p="http://schemas.microsoft.com/office/2006/metadata/properties" xmlns:xsi="http://www.w3.org/2001/XMLSchema-instance" xmlns:pc="http://schemas.microsoft.com/office/infopath/2007/PartnerControls">
+  <documentManagement>
+    <PublishingExpirationDate xmlns="http://schemas.microsoft.com/sharepoint/v3" xsi:nil="true"/>
+    <PublishingStartDate xmlns="http://schemas.microsoft.com/sharepoint/v3" xsi:nil="true"/>
+  </documentManagement>
+</p:properties>
 </file>
 
 <file path=customXml/itemProps1.xml><?xml version="1.0" encoding="utf-8"?>
-<ds:datastoreItem xmlns:ds="http://schemas.openxmlformats.org/officeDocument/2006/customXml" ds:itemID="{D7186F62-2954-471E-9368-38BF5704F41F}">
+<ds:datastoreItem xmlns:ds="http://schemas.openxmlformats.org/officeDocument/2006/customXml" ds:itemID="{CA1AEAF9-C730-4098-99F1-230B2FED747B}">
   <ds:schemaRefs>
-    <ds:schemaRef ds:uri="http://schemas.microsoft.com/sharepoint/v3"/>
-    <ds:schemaRef ds:uri="http://purl.org/dc/terms/"/>
-    <ds:schemaRef ds:uri="http://www.w3.org/XML/1998/namespace"/>
-    <ds:schemaRef ds:uri="1913475e-a030-45ec-9e8a-a2630205b38f"/>
-    <ds:schemaRef ds:uri="http://schemas.microsoft.com/office/2006/metadata/properties"/>
-    <ds:schemaRef ds:uri="http://schemas.microsoft.com/office/2006/documentManagement/types"/>
-    <ds:schemaRef ds:uri="0ae7057e-292f-4fd1-bead-5494e4c66c6d"/>
-    <ds:schemaRef ds:uri="http://schemas.openxmlformats.org/package/2006/metadata/core-properties"/>
-    <ds:schemaRef ds:uri="http://schemas.microsoft.com/office/infopath/2007/PartnerControls"/>
-    <ds:schemaRef ds:uri="http://purl.org/dc/dcmitype/"/>
-    <ds:schemaRef ds:uri="http://purl.org/dc/elements/1.1/"/>
+    <ds:schemaRef ds:uri="http://schemas.microsoft.com/sharepoint/v3/contenttype/forms"/>
   </ds:schemaRefs>
 </ds:datastoreItem>
 </file>
@@ -7650,9 +7641,19 @@
 </file>
 
 <file path=customXml/itemProps3.xml><?xml version="1.0" encoding="utf-8"?>
-<ds:datastoreItem xmlns:ds="http://schemas.openxmlformats.org/officeDocument/2006/customXml" ds:itemID="{CA1AEAF9-C730-4098-99F1-230B2FED747B}">
+<ds:datastoreItem xmlns:ds="http://schemas.openxmlformats.org/officeDocument/2006/customXml" ds:itemID="{D7186F62-2954-471E-9368-38BF5704F41F}">
   <ds:schemaRefs>
-    <ds:schemaRef ds:uri="http://schemas.microsoft.com/sharepoint/v3/contenttype/forms"/>
+    <ds:schemaRef ds:uri="http://schemas.microsoft.com/sharepoint/v3"/>
+    <ds:schemaRef ds:uri="http://purl.org/dc/terms/"/>
+    <ds:schemaRef ds:uri="http://www.w3.org/XML/1998/namespace"/>
+    <ds:schemaRef ds:uri="1913475e-a030-45ec-9e8a-a2630205b38f"/>
+    <ds:schemaRef ds:uri="http://schemas.microsoft.com/office/2006/metadata/properties"/>
+    <ds:schemaRef ds:uri="http://schemas.microsoft.com/office/2006/documentManagement/types"/>
+    <ds:schemaRef ds:uri="0ae7057e-292f-4fd1-bead-5494e4c66c6d"/>
+    <ds:schemaRef ds:uri="http://schemas.openxmlformats.org/package/2006/metadata/core-properties"/>
+    <ds:schemaRef ds:uri="http://schemas.microsoft.com/office/infopath/2007/PartnerControls"/>
+    <ds:schemaRef ds:uri="http://purl.org/dc/dcmitype/"/>
+    <ds:schemaRef ds:uri="http://purl.org/dc/elements/1.1/"/>
   </ds:schemaRefs>
 </ds:datastoreItem>
 </file>